--- a/final_presentation.pptx
+++ b/final_presentation.pptx
@@ -4112,15 +4112,7 @@
             </a:r>
             <a:r>
               <a:rPr lang="en-US" dirty="0"/>
-              <a:t>a section is a course taught in a given semester by a given </a:t>
-            </a:r>
-            <a:r>
-              <a:rPr lang="en-US"/>
-              <a:t>instructor at a </a:t>
-            </a:r>
-            <a:r>
-              <a:rPr lang="en-US" dirty="0"/>
-              <a:t>given time slots(lessons). For example, CS133, in Fall 2020 by Professor Wu at </a:t>
+              <a:t>a section is a course taught in a given semester by a given instructor at a given time slots(lessons). For example, CS133, in Fall 2020 by Professor Wu at </a:t>
             </a:r>
             <a:r>
               <a:rPr lang="en-US" dirty="0" err="1"/>
@@ -4306,7 +4298,7 @@
             <a:pPr lvl="1"/>
             <a:r>
               <a:rPr lang="en-US" sz="1600" dirty="0"/>
-              <a:t>         View his current exchange requests and their status </a:t>
+              <a:t>         View his current exchange requests </a:t>
             </a:r>
           </a:p>
           <a:p>
@@ -5338,7 +5330,7 @@
           <a:p>
             <a:r>
               <a:rPr lang="en-US" dirty="0"/>
-              <a:t>The data is a sample of the Claremont course registration data </a:t>
+              <a:t>The data is a sample of Claremont course registration data </a:t>
             </a:r>
           </a:p>
           <a:p>
